--- a/paper/figures/figure.pptx
+++ b/paper/figures/figure.pptx
@@ -4247,9 +4247,12 @@
             <a:prstGeom prst="rect">
               <a:avLst/>
             </a:prstGeom>
-            <a:solidFill>
-              <a:schemeClr val="bg1"/>
-            </a:solidFill>
+            <a:noFill/>
+            <a:ln>
+              <a:solidFill>
+                <a:schemeClr val="bg1"/>
+              </a:solidFill>
+            </a:ln>
           </p:spPr>
           <p:txBody>
             <a:bodyPr wrap="square">
@@ -4961,9 +4964,12 @@
             <a:prstGeom prst="rect">
               <a:avLst/>
             </a:prstGeom>
-            <a:solidFill>
-              <a:schemeClr val="bg1"/>
-            </a:solidFill>
+            <a:noFill/>
+            <a:ln>
+              <a:solidFill>
+                <a:schemeClr val="bg1"/>
+              </a:solidFill>
+            </a:ln>
           </p:spPr>
           <p:txBody>
             <a:bodyPr wrap="square">
@@ -5002,9 +5008,12 @@
             <a:prstGeom prst="rect">
               <a:avLst/>
             </a:prstGeom>
-            <a:solidFill>
-              <a:schemeClr val="bg1"/>
-            </a:solidFill>
+            <a:noFill/>
+            <a:ln>
+              <a:solidFill>
+                <a:schemeClr val="bg1"/>
+              </a:solidFill>
+            </a:ln>
           </p:spPr>
           <p:txBody>
             <a:bodyPr wrap="square">
@@ -5043,9 +5052,12 @@
             <a:prstGeom prst="rect">
               <a:avLst/>
             </a:prstGeom>
-            <a:solidFill>
-              <a:schemeClr val="bg1"/>
-            </a:solidFill>
+            <a:noFill/>
+            <a:ln>
+              <a:solidFill>
+                <a:schemeClr val="bg1"/>
+              </a:solidFill>
+            </a:ln>
           </p:spPr>
           <p:txBody>
             <a:bodyPr wrap="square">
@@ -5084,9 +5096,12 @@
             <a:prstGeom prst="rect">
               <a:avLst/>
             </a:prstGeom>
-            <a:solidFill>
-              <a:schemeClr val="bg1"/>
-            </a:solidFill>
+            <a:noFill/>
+            <a:ln>
+              <a:solidFill>
+                <a:schemeClr val="bg1"/>
+              </a:solidFill>
+            </a:ln>
           </p:spPr>
           <p:txBody>
             <a:bodyPr wrap="square">

--- a/paper/figures/figure.pptx
+++ b/paper/figures/figure.pptx
@@ -6,6 +6,7 @@
   </p:sldMasterIdLst>
   <p:sldIdLst>
     <p:sldId id="260" r:id="rId2"/>
+    <p:sldId id="262" r:id="rId3"/>
   </p:sldIdLst>
   <p:sldSz cx="23760113" cy="14400213"/>
   <p:notesSz cx="6858000" cy="9144000"/>
@@ -4249,9 +4250,7 @@
             </a:prstGeom>
             <a:noFill/>
             <a:ln>
-              <a:solidFill>
-                <a:schemeClr val="bg1"/>
-              </a:solidFill>
+              <a:noFill/>
             </a:ln>
           </p:spPr>
           <p:txBody>
@@ -4966,9 +4965,7 @@
             </a:prstGeom>
             <a:noFill/>
             <a:ln>
-              <a:solidFill>
-                <a:schemeClr val="bg1"/>
-              </a:solidFill>
+              <a:noFill/>
             </a:ln>
           </p:spPr>
           <p:txBody>
@@ -5010,9 +5007,7 @@
             </a:prstGeom>
             <a:noFill/>
             <a:ln>
-              <a:solidFill>
-                <a:schemeClr val="bg1"/>
-              </a:solidFill>
+              <a:noFill/>
             </a:ln>
           </p:spPr>
           <p:txBody>
@@ -5054,9 +5049,7 @@
             </a:prstGeom>
             <a:noFill/>
             <a:ln>
-              <a:solidFill>
-                <a:schemeClr val="bg1"/>
-              </a:solidFill>
+              <a:noFill/>
             </a:ln>
           </p:spPr>
           <p:txBody>
@@ -5098,9 +5091,7 @@
             </a:prstGeom>
             <a:noFill/>
             <a:ln>
-              <a:solidFill>
-                <a:schemeClr val="bg1"/>
-              </a:solidFill>
+              <a:noFill/>
             </a:ln>
           </p:spPr>
           <p:txBody>
@@ -5129,6 +5120,2286 @@
     <p:extLst>
       <p:ext uri="{BB962C8B-B14F-4D97-AF65-F5344CB8AC3E}">
         <p14:creationId xmlns:p14="http://schemas.microsoft.com/office/powerpoint/2010/main" val="2466646344"/>
+      </p:ext>
+    </p:extLst>
+  </p:cSld>
+  <p:clrMapOvr>
+    <a:masterClrMapping/>
+  </p:clrMapOvr>
+</p:sld>
+</file>
+
+<file path=ppt/slides/slide2.xml><?xml version="1.0" encoding="utf-8"?>
+<p:sld xmlns:a="http://schemas.openxmlformats.org/drawingml/2006/main" xmlns:r="http://schemas.openxmlformats.org/officeDocument/2006/relationships" xmlns:p="http://schemas.openxmlformats.org/presentationml/2006/main">
+  <p:cSld>
+    <p:spTree>
+      <p:nvGrpSpPr>
+        <p:cNvPr id="1" name=""/>
+        <p:cNvGrpSpPr/>
+        <p:nvPr/>
+      </p:nvGrpSpPr>
+      <p:grpSpPr>
+        <a:xfrm>
+          <a:off x="0" y="0"/>
+          <a:ext cx="0" cy="0"/>
+          <a:chOff x="0" y="0"/>
+          <a:chExt cx="0" cy="0"/>
+        </a:xfrm>
+      </p:grpSpPr>
+      <p:grpSp>
+        <p:nvGrpSpPr>
+          <p:cNvPr id="118" name="Group 117">
+            <a:extLst>
+              <a:ext uri="{FF2B5EF4-FFF2-40B4-BE49-F238E27FC236}">
+                <a16:creationId xmlns:a16="http://schemas.microsoft.com/office/drawing/2014/main" id="{7B6D9E25-079B-4138-A431-459429E6E85B}"/>
+              </a:ext>
+            </a:extLst>
+          </p:cNvPr>
+          <p:cNvGrpSpPr/>
+          <p:nvPr/>
+        </p:nvGrpSpPr>
+        <p:grpSpPr>
+          <a:xfrm>
+            <a:off x="283768" y="209550"/>
+            <a:ext cx="23033432" cy="14075614"/>
+            <a:chOff x="283768" y="209550"/>
+            <a:chExt cx="23033432" cy="14075614"/>
+          </a:xfrm>
+        </p:grpSpPr>
+        <p:cxnSp>
+          <p:nvCxnSpPr>
+            <p:cNvPr id="36" name="Straight Connector 35">
+              <a:extLst>
+                <a:ext uri="{FF2B5EF4-FFF2-40B4-BE49-F238E27FC236}">
+                  <a16:creationId xmlns:a16="http://schemas.microsoft.com/office/drawing/2014/main" id="{4AFA3AA8-7D0E-46AB-9061-2EDFE2364902}"/>
+                </a:ext>
+              </a:extLst>
+            </p:cNvPr>
+            <p:cNvCxnSpPr>
+              <a:cxnSpLocks/>
+              <a:endCxn id="37" idx="0"/>
+            </p:cNvCxnSpPr>
+            <p:nvPr/>
+          </p:nvCxnSpPr>
+          <p:spPr>
+            <a:xfrm>
+              <a:off x="21179580" y="4125482"/>
+              <a:ext cx="0" cy="563168"/>
+            </a:xfrm>
+            <a:prstGeom prst="line">
+              <a:avLst/>
+            </a:prstGeom>
+            <a:ln w="38100">
+              <a:solidFill>
+                <a:schemeClr val="accent4">
+                  <a:alpha val="17000"/>
+                </a:schemeClr>
+              </a:solidFill>
+            </a:ln>
+          </p:spPr>
+          <p:style>
+            <a:lnRef idx="1">
+              <a:schemeClr val="accent4"/>
+            </a:lnRef>
+            <a:fillRef idx="0">
+              <a:schemeClr val="accent4"/>
+            </a:fillRef>
+            <a:effectRef idx="0">
+              <a:schemeClr val="accent4"/>
+            </a:effectRef>
+            <a:fontRef idx="minor">
+              <a:schemeClr val="tx1"/>
+            </a:fontRef>
+          </p:style>
+        </p:cxnSp>
+        <p:sp>
+          <p:nvSpPr>
+            <p:cNvPr id="37" name="Rectangle: Rounded Corners 36">
+              <a:extLst>
+                <a:ext uri="{FF2B5EF4-FFF2-40B4-BE49-F238E27FC236}">
+                  <a16:creationId xmlns:a16="http://schemas.microsoft.com/office/drawing/2014/main" id="{88DB4874-5576-4A2C-9C9D-270142A1F744}"/>
+                </a:ext>
+              </a:extLst>
+            </p:cNvPr>
+            <p:cNvSpPr/>
+            <p:nvPr/>
+          </p:nvSpPr>
+          <p:spPr>
+            <a:xfrm>
+              <a:off x="19070473" y="4688650"/>
+              <a:ext cx="4218213" cy="1468768"/>
+            </a:xfrm>
+            <a:prstGeom prst="roundRect">
+              <a:avLst>
+                <a:gd name="adj" fmla="val 12699"/>
+              </a:avLst>
+            </a:prstGeom>
+            <a:solidFill>
+              <a:srgbClr val="FFC107">
+                <a:alpha val="10000"/>
+              </a:srgbClr>
+            </a:solidFill>
+            <a:ln>
+              <a:noFill/>
+            </a:ln>
+          </p:spPr>
+          <p:style>
+            <a:lnRef idx="2">
+              <a:schemeClr val="accent2">
+                <a:shade val="50000"/>
+              </a:schemeClr>
+            </a:lnRef>
+            <a:fillRef idx="1">
+              <a:schemeClr val="accent2"/>
+            </a:fillRef>
+            <a:effectRef idx="0">
+              <a:schemeClr val="accent2"/>
+            </a:effectRef>
+            <a:fontRef idx="minor">
+              <a:schemeClr val="lt1"/>
+            </a:fontRef>
+          </p:style>
+          <p:txBody>
+            <a:bodyPr rot="0" spcFirstLastPara="0" vertOverflow="overflow" horzOverflow="overflow" vert="horz" wrap="square" lIns="178201" tIns="89100" rIns="178201" bIns="89100" numCol="1" spcCol="0" rtlCol="0" fromWordArt="0" anchor="ctr" anchorCtr="0" forceAA="0" compatLnSpc="1">
+              <a:prstTxWarp prst="textNoShape">
+                <a:avLst/>
+              </a:prstTxWarp>
+              <a:noAutofit/>
+            </a:bodyPr>
+            <a:lstStyle/>
+            <a:p>
+              <a:pPr algn="ctr"/>
+              <a:endParaRPr lang="en-SG" sz="3600" b="1" dirty="0">
+                <a:solidFill>
+                  <a:schemeClr val="bg1"/>
+                </a:solidFill>
+              </a:endParaRPr>
+            </a:p>
+          </p:txBody>
+        </p:sp>
+        <p:sp>
+          <p:nvSpPr>
+            <p:cNvPr id="38" name="Rectangle: Rounded Corners 37">
+              <a:extLst>
+                <a:ext uri="{FF2B5EF4-FFF2-40B4-BE49-F238E27FC236}">
+                  <a16:creationId xmlns:a16="http://schemas.microsoft.com/office/drawing/2014/main" id="{A95D5E1C-3DEF-4603-87AB-54F184535699}"/>
+                </a:ext>
+              </a:extLst>
+            </p:cNvPr>
+            <p:cNvSpPr/>
+            <p:nvPr/>
+          </p:nvSpPr>
+          <p:spPr>
+            <a:xfrm>
+              <a:off x="19070471" y="6704472"/>
+              <a:ext cx="4218213" cy="1468768"/>
+            </a:xfrm>
+            <a:prstGeom prst="roundRect">
+              <a:avLst>
+                <a:gd name="adj" fmla="val 12699"/>
+              </a:avLst>
+            </a:prstGeom>
+            <a:solidFill>
+              <a:srgbClr val="FF9800">
+                <a:alpha val="10000"/>
+              </a:srgbClr>
+            </a:solidFill>
+            <a:ln>
+              <a:noFill/>
+            </a:ln>
+          </p:spPr>
+          <p:style>
+            <a:lnRef idx="2">
+              <a:schemeClr val="accent2">
+                <a:shade val="50000"/>
+              </a:schemeClr>
+            </a:lnRef>
+            <a:fillRef idx="1">
+              <a:schemeClr val="accent2"/>
+            </a:fillRef>
+            <a:effectRef idx="0">
+              <a:schemeClr val="accent2"/>
+            </a:effectRef>
+            <a:fontRef idx="minor">
+              <a:schemeClr val="lt1"/>
+            </a:fontRef>
+          </p:style>
+          <p:txBody>
+            <a:bodyPr rot="0" spcFirstLastPara="0" vertOverflow="overflow" horzOverflow="overflow" vert="horz" wrap="square" lIns="178201" tIns="89100" rIns="178201" bIns="89100" numCol="1" spcCol="0" rtlCol="0" fromWordArt="0" anchor="ctr" anchorCtr="0" forceAA="0" compatLnSpc="1">
+              <a:prstTxWarp prst="textNoShape">
+                <a:avLst/>
+              </a:prstTxWarp>
+              <a:noAutofit/>
+            </a:bodyPr>
+            <a:lstStyle/>
+            <a:p>
+              <a:pPr algn="ctr"/>
+              <a:endParaRPr lang="en-SG" sz="3600" b="1" dirty="0">
+                <a:solidFill>
+                  <a:schemeClr val="bg1"/>
+                </a:solidFill>
+              </a:endParaRPr>
+            </a:p>
+          </p:txBody>
+        </p:sp>
+        <p:sp>
+          <p:nvSpPr>
+            <p:cNvPr id="39" name="Rectangle: Rounded Corners 38">
+              <a:extLst>
+                <a:ext uri="{FF2B5EF4-FFF2-40B4-BE49-F238E27FC236}">
+                  <a16:creationId xmlns:a16="http://schemas.microsoft.com/office/drawing/2014/main" id="{3EA0F7DB-C562-41FC-A3C2-FF70330A656A}"/>
+                </a:ext>
+              </a:extLst>
+            </p:cNvPr>
+            <p:cNvSpPr/>
+            <p:nvPr/>
+          </p:nvSpPr>
+          <p:spPr>
+            <a:xfrm>
+              <a:off x="19077601" y="8752524"/>
+              <a:ext cx="4218213" cy="1468768"/>
+            </a:xfrm>
+            <a:prstGeom prst="roundRect">
+              <a:avLst>
+                <a:gd name="adj" fmla="val 12699"/>
+              </a:avLst>
+            </a:prstGeom>
+            <a:solidFill>
+              <a:srgbClr val="FF5722">
+                <a:alpha val="10000"/>
+              </a:srgbClr>
+            </a:solidFill>
+            <a:ln>
+              <a:noFill/>
+            </a:ln>
+          </p:spPr>
+          <p:style>
+            <a:lnRef idx="2">
+              <a:schemeClr val="accent2">
+                <a:shade val="50000"/>
+              </a:schemeClr>
+            </a:lnRef>
+            <a:fillRef idx="1">
+              <a:schemeClr val="accent2"/>
+            </a:fillRef>
+            <a:effectRef idx="0">
+              <a:schemeClr val="accent2"/>
+            </a:effectRef>
+            <a:fontRef idx="minor">
+              <a:schemeClr val="lt1"/>
+            </a:fontRef>
+          </p:style>
+          <p:txBody>
+            <a:bodyPr rot="0" spcFirstLastPara="0" vertOverflow="overflow" horzOverflow="overflow" vert="horz" wrap="square" lIns="178201" tIns="89100" rIns="178201" bIns="89100" numCol="1" spcCol="0" rtlCol="0" fromWordArt="0" anchor="ctr" anchorCtr="0" forceAA="0" compatLnSpc="1">
+              <a:prstTxWarp prst="textNoShape">
+                <a:avLst/>
+              </a:prstTxWarp>
+              <a:noAutofit/>
+            </a:bodyPr>
+            <a:lstStyle/>
+            <a:p>
+              <a:pPr algn="ctr"/>
+              <a:endParaRPr lang="en-SG" sz="3600" b="1" dirty="0">
+                <a:solidFill>
+                  <a:schemeClr val="bg1"/>
+                </a:solidFill>
+              </a:endParaRPr>
+            </a:p>
+          </p:txBody>
+        </p:sp>
+        <p:sp>
+          <p:nvSpPr>
+            <p:cNvPr id="40" name="Rectangle: Rounded Corners 39">
+              <a:extLst>
+                <a:ext uri="{FF2B5EF4-FFF2-40B4-BE49-F238E27FC236}">
+                  <a16:creationId xmlns:a16="http://schemas.microsoft.com/office/drawing/2014/main" id="{67E01716-FF74-45B2-96E0-27D3EC7B2F2F}"/>
+                </a:ext>
+              </a:extLst>
+            </p:cNvPr>
+            <p:cNvSpPr/>
+            <p:nvPr/>
+          </p:nvSpPr>
+          <p:spPr>
+            <a:xfrm>
+              <a:off x="19070475" y="10784460"/>
+              <a:ext cx="4246725" cy="1468768"/>
+            </a:xfrm>
+            <a:prstGeom prst="roundRect">
+              <a:avLst>
+                <a:gd name="adj" fmla="val 12699"/>
+              </a:avLst>
+            </a:prstGeom>
+            <a:solidFill>
+              <a:srgbClr val="F44336">
+                <a:alpha val="10000"/>
+              </a:srgbClr>
+            </a:solidFill>
+            <a:ln>
+              <a:noFill/>
+            </a:ln>
+          </p:spPr>
+          <p:style>
+            <a:lnRef idx="2">
+              <a:schemeClr val="accent2">
+                <a:shade val="50000"/>
+              </a:schemeClr>
+            </a:lnRef>
+            <a:fillRef idx="1">
+              <a:schemeClr val="accent2"/>
+            </a:fillRef>
+            <a:effectRef idx="0">
+              <a:schemeClr val="accent2"/>
+            </a:effectRef>
+            <a:fontRef idx="minor">
+              <a:schemeClr val="lt1"/>
+            </a:fontRef>
+          </p:style>
+          <p:txBody>
+            <a:bodyPr rot="0" spcFirstLastPara="0" vertOverflow="overflow" horzOverflow="overflow" vert="horz" wrap="square" lIns="178201" tIns="89100" rIns="178201" bIns="89100" numCol="1" spcCol="0" rtlCol="0" fromWordArt="0" anchor="ctr" anchorCtr="0" forceAA="0" compatLnSpc="1">
+              <a:prstTxWarp prst="textNoShape">
+                <a:avLst/>
+              </a:prstTxWarp>
+              <a:noAutofit/>
+            </a:bodyPr>
+            <a:lstStyle/>
+            <a:p>
+              <a:pPr algn="ctr"/>
+              <a:endParaRPr lang="en-SG" sz="3600" b="1" dirty="0">
+                <a:solidFill>
+                  <a:schemeClr val="bg1"/>
+                </a:solidFill>
+              </a:endParaRPr>
+            </a:p>
+          </p:txBody>
+        </p:sp>
+        <p:sp>
+          <p:nvSpPr>
+            <p:cNvPr id="41" name="Rectangle: Rounded Corners 40">
+              <a:extLst>
+                <a:ext uri="{FF2B5EF4-FFF2-40B4-BE49-F238E27FC236}">
+                  <a16:creationId xmlns:a16="http://schemas.microsoft.com/office/drawing/2014/main" id="{90D661E8-BDC1-4C7A-A6CE-003DEC9B4C4B}"/>
+                </a:ext>
+              </a:extLst>
+            </p:cNvPr>
+            <p:cNvSpPr/>
+            <p:nvPr/>
+          </p:nvSpPr>
+          <p:spPr>
+            <a:xfrm>
+              <a:off x="19070472" y="12816396"/>
+              <a:ext cx="4218213" cy="1468768"/>
+            </a:xfrm>
+            <a:prstGeom prst="roundRect">
+              <a:avLst>
+                <a:gd name="adj" fmla="val 12699"/>
+              </a:avLst>
+            </a:prstGeom>
+            <a:solidFill>
+              <a:srgbClr val="E91E63">
+                <a:alpha val="10000"/>
+              </a:srgbClr>
+            </a:solidFill>
+            <a:ln>
+              <a:noFill/>
+            </a:ln>
+          </p:spPr>
+          <p:style>
+            <a:lnRef idx="2">
+              <a:schemeClr val="accent2">
+                <a:shade val="50000"/>
+              </a:schemeClr>
+            </a:lnRef>
+            <a:fillRef idx="1">
+              <a:schemeClr val="accent2"/>
+            </a:fillRef>
+            <a:effectRef idx="0">
+              <a:schemeClr val="accent2"/>
+            </a:effectRef>
+            <a:fontRef idx="minor">
+              <a:schemeClr val="lt1"/>
+            </a:fontRef>
+          </p:style>
+          <p:txBody>
+            <a:bodyPr rot="0" spcFirstLastPara="0" vertOverflow="overflow" horzOverflow="overflow" vert="horz" wrap="square" lIns="178201" tIns="89100" rIns="178201" bIns="89100" numCol="1" spcCol="0" rtlCol="0" fromWordArt="0" anchor="ctr" anchorCtr="0" forceAA="0" compatLnSpc="1">
+              <a:prstTxWarp prst="textNoShape">
+                <a:avLst/>
+              </a:prstTxWarp>
+              <a:noAutofit/>
+            </a:bodyPr>
+            <a:lstStyle/>
+            <a:p>
+              <a:pPr algn="ctr"/>
+              <a:endParaRPr lang="en-SG" sz="3600" b="1" dirty="0">
+                <a:solidFill>
+                  <a:schemeClr val="bg1"/>
+                </a:solidFill>
+              </a:endParaRPr>
+            </a:p>
+          </p:txBody>
+        </p:sp>
+        <p:cxnSp>
+          <p:nvCxnSpPr>
+            <p:cNvPr id="45" name="Straight Connector 44">
+              <a:extLst>
+                <a:ext uri="{FF2B5EF4-FFF2-40B4-BE49-F238E27FC236}">
+                  <a16:creationId xmlns:a16="http://schemas.microsoft.com/office/drawing/2014/main" id="{BD5EC3F7-E314-4A46-B3DB-93FDB29052AD}"/>
+                </a:ext>
+              </a:extLst>
+            </p:cNvPr>
+            <p:cNvCxnSpPr>
+              <a:cxnSpLocks/>
+              <a:stCxn id="37" idx="2"/>
+              <a:endCxn id="38" idx="0"/>
+            </p:cNvCxnSpPr>
+            <p:nvPr/>
+          </p:nvCxnSpPr>
+          <p:spPr>
+            <a:xfrm flipH="1">
+              <a:off x="21179578" y="6157418"/>
+              <a:ext cx="2" cy="547054"/>
+            </a:xfrm>
+            <a:prstGeom prst="line">
+              <a:avLst/>
+            </a:prstGeom>
+            <a:ln w="38100">
+              <a:solidFill>
+                <a:schemeClr val="accent4">
+                  <a:alpha val="17000"/>
+                </a:schemeClr>
+              </a:solidFill>
+            </a:ln>
+          </p:spPr>
+          <p:style>
+            <a:lnRef idx="1">
+              <a:schemeClr val="accent4"/>
+            </a:lnRef>
+            <a:fillRef idx="0">
+              <a:schemeClr val="accent4"/>
+            </a:fillRef>
+            <a:effectRef idx="0">
+              <a:schemeClr val="accent4"/>
+            </a:effectRef>
+            <a:fontRef idx="minor">
+              <a:schemeClr val="tx1"/>
+            </a:fontRef>
+          </p:style>
+        </p:cxnSp>
+        <p:cxnSp>
+          <p:nvCxnSpPr>
+            <p:cNvPr id="52" name="Straight Connector 51">
+              <a:extLst>
+                <a:ext uri="{FF2B5EF4-FFF2-40B4-BE49-F238E27FC236}">
+                  <a16:creationId xmlns:a16="http://schemas.microsoft.com/office/drawing/2014/main" id="{4B32998F-7808-429D-9E61-F7CD6E7EBCEB}"/>
+                </a:ext>
+              </a:extLst>
+            </p:cNvPr>
+            <p:cNvCxnSpPr>
+              <a:cxnSpLocks/>
+              <a:stCxn id="38" idx="2"/>
+              <a:endCxn id="39" idx="0"/>
+            </p:cNvCxnSpPr>
+            <p:nvPr/>
+          </p:nvCxnSpPr>
+          <p:spPr>
+            <a:xfrm>
+              <a:off x="21179578" y="8173240"/>
+              <a:ext cx="7130" cy="579284"/>
+            </a:xfrm>
+            <a:prstGeom prst="line">
+              <a:avLst/>
+            </a:prstGeom>
+            <a:ln w="38100">
+              <a:solidFill>
+                <a:schemeClr val="accent4">
+                  <a:alpha val="17000"/>
+                </a:schemeClr>
+              </a:solidFill>
+            </a:ln>
+          </p:spPr>
+          <p:style>
+            <a:lnRef idx="1">
+              <a:schemeClr val="accent4"/>
+            </a:lnRef>
+            <a:fillRef idx="0">
+              <a:schemeClr val="accent4"/>
+            </a:fillRef>
+            <a:effectRef idx="0">
+              <a:schemeClr val="accent4"/>
+            </a:effectRef>
+            <a:fontRef idx="minor">
+              <a:schemeClr val="tx1"/>
+            </a:fontRef>
+          </p:style>
+        </p:cxnSp>
+        <p:cxnSp>
+          <p:nvCxnSpPr>
+            <p:cNvPr id="53" name="Straight Connector 52">
+              <a:extLst>
+                <a:ext uri="{FF2B5EF4-FFF2-40B4-BE49-F238E27FC236}">
+                  <a16:creationId xmlns:a16="http://schemas.microsoft.com/office/drawing/2014/main" id="{47EE834E-5103-473E-89D3-1CCAD26BD6D1}"/>
+                </a:ext>
+              </a:extLst>
+            </p:cNvPr>
+            <p:cNvCxnSpPr>
+              <a:cxnSpLocks/>
+              <a:stCxn id="39" idx="2"/>
+              <a:endCxn id="40" idx="0"/>
+            </p:cNvCxnSpPr>
+            <p:nvPr/>
+          </p:nvCxnSpPr>
+          <p:spPr>
+            <a:xfrm>
+              <a:off x="21186708" y="10221292"/>
+              <a:ext cx="7130" cy="563168"/>
+            </a:xfrm>
+            <a:prstGeom prst="line">
+              <a:avLst/>
+            </a:prstGeom>
+            <a:ln w="38100">
+              <a:solidFill>
+                <a:schemeClr val="accent4">
+                  <a:alpha val="17000"/>
+                </a:schemeClr>
+              </a:solidFill>
+            </a:ln>
+          </p:spPr>
+          <p:style>
+            <a:lnRef idx="1">
+              <a:schemeClr val="accent4"/>
+            </a:lnRef>
+            <a:fillRef idx="0">
+              <a:schemeClr val="accent4"/>
+            </a:fillRef>
+            <a:effectRef idx="0">
+              <a:schemeClr val="accent4"/>
+            </a:effectRef>
+            <a:fontRef idx="minor">
+              <a:schemeClr val="tx1"/>
+            </a:fontRef>
+          </p:style>
+        </p:cxnSp>
+        <p:cxnSp>
+          <p:nvCxnSpPr>
+            <p:cNvPr id="63" name="Straight Connector 62">
+              <a:extLst>
+                <a:ext uri="{FF2B5EF4-FFF2-40B4-BE49-F238E27FC236}">
+                  <a16:creationId xmlns:a16="http://schemas.microsoft.com/office/drawing/2014/main" id="{3ED67362-24E6-405F-8D8F-F4B0352F26B1}"/>
+                </a:ext>
+              </a:extLst>
+            </p:cNvPr>
+            <p:cNvCxnSpPr>
+              <a:cxnSpLocks/>
+              <a:stCxn id="40" idx="2"/>
+              <a:endCxn id="41" idx="0"/>
+            </p:cNvCxnSpPr>
+            <p:nvPr/>
+          </p:nvCxnSpPr>
+          <p:spPr>
+            <a:xfrm flipH="1">
+              <a:off x="21179579" y="12253228"/>
+              <a:ext cx="14259" cy="563168"/>
+            </a:xfrm>
+            <a:prstGeom prst="line">
+              <a:avLst/>
+            </a:prstGeom>
+            <a:ln w="38100">
+              <a:solidFill>
+                <a:schemeClr val="accent4">
+                  <a:alpha val="17000"/>
+                </a:schemeClr>
+              </a:solidFill>
+            </a:ln>
+          </p:spPr>
+          <p:style>
+            <a:lnRef idx="1">
+              <a:schemeClr val="accent4"/>
+            </a:lnRef>
+            <a:fillRef idx="0">
+              <a:schemeClr val="accent4"/>
+            </a:fillRef>
+            <a:effectRef idx="0">
+              <a:schemeClr val="accent4"/>
+            </a:effectRef>
+            <a:fontRef idx="minor">
+              <a:schemeClr val="tx1"/>
+            </a:fontRef>
+          </p:style>
+        </p:cxnSp>
+        <p:cxnSp>
+          <p:nvCxnSpPr>
+            <p:cNvPr id="57" name="Straight Connector 56">
+              <a:extLst>
+                <a:ext uri="{FF2B5EF4-FFF2-40B4-BE49-F238E27FC236}">
+                  <a16:creationId xmlns:a16="http://schemas.microsoft.com/office/drawing/2014/main" id="{6086F6C1-CB4E-441C-8467-EF10481906E4}"/>
+                </a:ext>
+              </a:extLst>
+            </p:cNvPr>
+            <p:cNvCxnSpPr>
+              <a:cxnSpLocks/>
+              <a:stCxn id="58" idx="2"/>
+              <a:endCxn id="62" idx="0"/>
+            </p:cNvCxnSpPr>
+            <p:nvPr/>
+          </p:nvCxnSpPr>
+          <p:spPr>
+            <a:xfrm>
+              <a:off x="2392875" y="6123462"/>
+              <a:ext cx="28512" cy="6658981"/>
+            </a:xfrm>
+            <a:prstGeom prst="line">
+              <a:avLst/>
+            </a:prstGeom>
+            <a:ln w="38100">
+              <a:gradFill>
+                <a:gsLst>
+                  <a:gs pos="77000">
+                    <a:srgbClr val="FF5722"/>
+                  </a:gs>
+                  <a:gs pos="53000">
+                    <a:srgbClr val="FF9800"/>
+                  </a:gs>
+                  <a:gs pos="0">
+                    <a:srgbClr val="FFEB3B"/>
+                  </a:gs>
+                  <a:gs pos="100000">
+                    <a:srgbClr val="F44336"/>
+                  </a:gs>
+                </a:gsLst>
+                <a:lin ang="5400000" scaled="1"/>
+              </a:gradFill>
+              <a:prstDash val="dash"/>
+            </a:ln>
+          </p:spPr>
+          <p:style>
+            <a:lnRef idx="1">
+              <a:schemeClr val="accent4"/>
+            </a:lnRef>
+            <a:fillRef idx="0">
+              <a:schemeClr val="accent4"/>
+            </a:fillRef>
+            <a:effectRef idx="0">
+              <a:schemeClr val="accent4"/>
+            </a:effectRef>
+            <a:fontRef idx="minor">
+              <a:schemeClr val="tx1"/>
+            </a:fontRef>
+          </p:style>
+        </p:cxnSp>
+        <p:cxnSp>
+          <p:nvCxnSpPr>
+            <p:cNvPr id="29" name="Straight Connector 28">
+              <a:extLst>
+                <a:ext uri="{FF2B5EF4-FFF2-40B4-BE49-F238E27FC236}">
+                  <a16:creationId xmlns:a16="http://schemas.microsoft.com/office/drawing/2014/main" id="{A9D5C146-A2D7-4C74-BC86-95912D4A0656}"/>
+                </a:ext>
+              </a:extLst>
+            </p:cNvPr>
+            <p:cNvCxnSpPr>
+              <a:cxnSpLocks/>
+              <a:stCxn id="28" idx="2"/>
+            </p:cNvCxnSpPr>
+            <p:nvPr/>
+          </p:nvCxnSpPr>
+          <p:spPr>
+            <a:xfrm>
+              <a:off x="2392875" y="4091526"/>
+              <a:ext cx="0" cy="2832650"/>
+            </a:xfrm>
+            <a:prstGeom prst="line">
+              <a:avLst/>
+            </a:prstGeom>
+            <a:ln w="38100"/>
+          </p:spPr>
+          <p:style>
+            <a:lnRef idx="1">
+              <a:schemeClr val="accent4"/>
+            </a:lnRef>
+            <a:fillRef idx="0">
+              <a:schemeClr val="accent4"/>
+            </a:fillRef>
+            <a:effectRef idx="0">
+              <a:schemeClr val="accent4"/>
+            </a:effectRef>
+            <a:fontRef idx="minor">
+              <a:schemeClr val="tx1"/>
+            </a:fontRef>
+          </p:style>
+        </p:cxnSp>
+        <p:cxnSp>
+          <p:nvCxnSpPr>
+            <p:cNvPr id="22" name="Straight Connector 21">
+              <a:extLst>
+                <a:ext uri="{FF2B5EF4-FFF2-40B4-BE49-F238E27FC236}">
+                  <a16:creationId xmlns:a16="http://schemas.microsoft.com/office/drawing/2014/main" id="{E60D4E94-4E4D-48EF-A410-578E43485AB3}"/>
+                </a:ext>
+              </a:extLst>
+            </p:cNvPr>
+            <p:cNvCxnSpPr>
+              <a:cxnSpLocks/>
+              <a:stCxn id="28" idx="3"/>
+              <a:endCxn id="51" idx="3"/>
+            </p:cNvCxnSpPr>
+            <p:nvPr/>
+          </p:nvCxnSpPr>
+          <p:spPr>
+            <a:xfrm flipV="1">
+              <a:off x="4501981" y="3330066"/>
+              <a:ext cx="18815219" cy="27075"/>
+            </a:xfrm>
+            <a:prstGeom prst="line">
+              <a:avLst/>
+            </a:prstGeom>
+            <a:ln w="57150">
+              <a:solidFill>
+                <a:srgbClr val="1E96F3"/>
+              </a:solidFill>
+              <a:prstDash val="sysDash"/>
+            </a:ln>
+          </p:spPr>
+          <p:style>
+            <a:lnRef idx="1">
+              <a:schemeClr val="accent2"/>
+            </a:lnRef>
+            <a:fillRef idx="0">
+              <a:schemeClr val="accent2"/>
+            </a:fillRef>
+            <a:effectRef idx="0">
+              <a:schemeClr val="accent2"/>
+            </a:effectRef>
+            <a:fontRef idx="minor">
+              <a:schemeClr val="tx1"/>
+            </a:fontRef>
+          </p:style>
+        </p:cxnSp>
+        <p:sp>
+          <p:nvSpPr>
+            <p:cNvPr id="13" name="Rectangle: Rounded Corners 12">
+              <a:extLst>
+                <a:ext uri="{FF2B5EF4-FFF2-40B4-BE49-F238E27FC236}">
+                  <a16:creationId xmlns:a16="http://schemas.microsoft.com/office/drawing/2014/main" id="{F254DE57-FC62-4808-99BD-CE9AA8AA31B5}"/>
+                </a:ext>
+              </a:extLst>
+            </p:cNvPr>
+            <p:cNvSpPr/>
+            <p:nvPr/>
+          </p:nvSpPr>
+          <p:spPr>
+            <a:xfrm>
+              <a:off x="9628735" y="209550"/>
+              <a:ext cx="4218211" cy="1520548"/>
+            </a:xfrm>
+            <a:prstGeom prst="roundRect">
+              <a:avLst>
+                <a:gd name="adj" fmla="val 14286"/>
+              </a:avLst>
+            </a:prstGeom>
+            <a:solidFill>
+              <a:srgbClr val="4CAF50"/>
+            </a:solidFill>
+            <a:ln>
+              <a:noFill/>
+            </a:ln>
+          </p:spPr>
+          <p:style>
+            <a:lnRef idx="2">
+              <a:schemeClr val="accent2">
+                <a:shade val="50000"/>
+              </a:schemeClr>
+            </a:lnRef>
+            <a:fillRef idx="1">
+              <a:schemeClr val="accent2"/>
+            </a:fillRef>
+            <a:effectRef idx="0">
+              <a:schemeClr val="accent2"/>
+            </a:effectRef>
+            <a:fontRef idx="minor">
+              <a:schemeClr val="lt1"/>
+            </a:fontRef>
+          </p:style>
+          <p:txBody>
+            <a:bodyPr rot="0" spcFirstLastPara="0" vertOverflow="overflow" horzOverflow="overflow" vert="horz" wrap="square" lIns="178201" tIns="89100" rIns="178201" bIns="89100" numCol="1" spcCol="0" rtlCol="0" fromWordArt="0" anchor="ctr" anchorCtr="0" forceAA="0" compatLnSpc="1">
+              <a:prstTxWarp prst="textNoShape">
+                <a:avLst/>
+              </a:prstTxWarp>
+              <a:noAutofit/>
+            </a:bodyPr>
+            <a:lstStyle/>
+            <a:p>
+              <a:pPr algn="ctr"/>
+              <a:r>
+                <a:rPr lang="en-SG" sz="4400" b="1" dirty="0" err="1">
+                  <a:solidFill>
+                    <a:schemeClr val="bg1"/>
+                  </a:solidFill>
+                </a:rPr>
+                <a:t>bio_process</a:t>
+              </a:r>
+              <a:r>
+                <a:rPr lang="en-SG" sz="4400" b="1" dirty="0">
+                  <a:solidFill>
+                    <a:schemeClr val="bg1"/>
+                  </a:solidFill>
+                </a:rPr>
+                <a:t>()</a:t>
+              </a:r>
+            </a:p>
+          </p:txBody>
+        </p:sp>
+        <p:cxnSp>
+          <p:nvCxnSpPr>
+            <p:cNvPr id="23" name="Straight Connector 22">
+              <a:extLst>
+                <a:ext uri="{FF2B5EF4-FFF2-40B4-BE49-F238E27FC236}">
+                  <a16:creationId xmlns:a16="http://schemas.microsoft.com/office/drawing/2014/main" id="{14D3EAA6-CB2D-4142-B524-DBFDE023EC31}"/>
+                </a:ext>
+              </a:extLst>
+            </p:cNvPr>
+            <p:cNvCxnSpPr>
+              <a:cxnSpLocks/>
+              <a:stCxn id="13" idx="2"/>
+              <a:endCxn id="49" idx="0"/>
+            </p:cNvCxnSpPr>
+            <p:nvPr/>
+          </p:nvCxnSpPr>
+          <p:spPr>
+            <a:xfrm>
+              <a:off x="11737840" y="1730098"/>
+              <a:ext cx="0" cy="848225"/>
+            </a:xfrm>
+            <a:prstGeom prst="line">
+              <a:avLst/>
+            </a:prstGeom>
+            <a:ln w="57150">
+              <a:solidFill>
+                <a:srgbClr val="4CAF50"/>
+              </a:solidFill>
+            </a:ln>
+          </p:spPr>
+          <p:style>
+            <a:lnRef idx="1">
+              <a:schemeClr val="accent2"/>
+            </a:lnRef>
+            <a:fillRef idx="0">
+              <a:schemeClr val="accent2"/>
+            </a:fillRef>
+            <a:effectRef idx="0">
+              <a:schemeClr val="accent2"/>
+            </a:effectRef>
+            <a:fontRef idx="minor">
+              <a:schemeClr val="tx1"/>
+            </a:fontRef>
+          </p:style>
+        </p:cxnSp>
+        <p:sp>
+          <p:nvSpPr>
+            <p:cNvPr id="58" name="Rectangle: Rounded Corners 57">
+              <a:extLst>
+                <a:ext uri="{FF2B5EF4-FFF2-40B4-BE49-F238E27FC236}">
+                  <a16:creationId xmlns:a16="http://schemas.microsoft.com/office/drawing/2014/main" id="{8527C3BD-1BF4-4B32-A213-D21D200B3BF1}"/>
+                </a:ext>
+              </a:extLst>
+            </p:cNvPr>
+            <p:cNvSpPr/>
+            <p:nvPr/>
+          </p:nvSpPr>
+          <p:spPr>
+            <a:xfrm>
+              <a:off x="283768" y="4654694"/>
+              <a:ext cx="4218213" cy="1468768"/>
+            </a:xfrm>
+            <a:prstGeom prst="roundRect">
+              <a:avLst>
+                <a:gd name="adj" fmla="val 12699"/>
+              </a:avLst>
+            </a:prstGeom>
+            <a:solidFill>
+              <a:srgbClr val="FFC107"/>
+            </a:solidFill>
+            <a:ln>
+              <a:noFill/>
+            </a:ln>
+          </p:spPr>
+          <p:style>
+            <a:lnRef idx="2">
+              <a:schemeClr val="accent2">
+                <a:shade val="50000"/>
+              </a:schemeClr>
+            </a:lnRef>
+            <a:fillRef idx="1">
+              <a:schemeClr val="accent2"/>
+            </a:fillRef>
+            <a:effectRef idx="0">
+              <a:schemeClr val="accent2"/>
+            </a:effectRef>
+            <a:fontRef idx="minor">
+              <a:schemeClr val="lt1"/>
+            </a:fontRef>
+          </p:style>
+          <p:txBody>
+            <a:bodyPr rot="0" spcFirstLastPara="0" vertOverflow="overflow" horzOverflow="overflow" vert="horz" wrap="square" lIns="178201" tIns="89100" rIns="178201" bIns="89100" numCol="1" spcCol="0" rtlCol="0" fromWordArt="0" anchor="ctr" anchorCtr="0" forceAA="0" compatLnSpc="1">
+              <a:prstTxWarp prst="textNoShape">
+                <a:avLst/>
+              </a:prstTxWarp>
+              <a:noAutofit/>
+            </a:bodyPr>
+            <a:lstStyle/>
+            <a:p>
+              <a:pPr algn="ctr"/>
+              <a:r>
+                <a:rPr lang="en-SG" sz="3600" b="1" dirty="0">
+                  <a:solidFill>
+                    <a:schemeClr val="bg1"/>
+                  </a:solidFill>
+                </a:rPr>
+                <a:t>1. </a:t>
+              </a:r>
+              <a:r>
+                <a:rPr lang="en-SG" sz="3600" b="1" dirty="0" err="1">
+                  <a:solidFill>
+                    <a:schemeClr val="bg1"/>
+                  </a:solidFill>
+                </a:rPr>
+                <a:t>ecg_clean</a:t>
+              </a:r>
+              <a:r>
+                <a:rPr lang="en-SG" sz="3600" b="1" dirty="0">
+                  <a:solidFill>
+                    <a:schemeClr val="bg1"/>
+                  </a:solidFill>
+                </a:rPr>
+                <a:t>()</a:t>
+              </a:r>
+            </a:p>
+          </p:txBody>
+        </p:sp>
+        <p:sp>
+          <p:nvSpPr>
+            <p:cNvPr id="59" name="Rectangle: Rounded Corners 58">
+              <a:extLst>
+                <a:ext uri="{FF2B5EF4-FFF2-40B4-BE49-F238E27FC236}">
+                  <a16:creationId xmlns:a16="http://schemas.microsoft.com/office/drawing/2014/main" id="{055D1866-91C2-482B-BE6B-60B9DF199201}"/>
+                </a:ext>
+              </a:extLst>
+            </p:cNvPr>
+            <p:cNvSpPr/>
+            <p:nvPr/>
+          </p:nvSpPr>
+          <p:spPr>
+            <a:xfrm>
+              <a:off x="283768" y="6686631"/>
+              <a:ext cx="4218213" cy="1468768"/>
+            </a:xfrm>
+            <a:prstGeom prst="roundRect">
+              <a:avLst>
+                <a:gd name="adj" fmla="val 12699"/>
+              </a:avLst>
+            </a:prstGeom>
+            <a:solidFill>
+              <a:srgbClr val="FF9800"/>
+            </a:solidFill>
+            <a:ln>
+              <a:noFill/>
+            </a:ln>
+          </p:spPr>
+          <p:style>
+            <a:lnRef idx="2">
+              <a:schemeClr val="accent2">
+                <a:shade val="50000"/>
+              </a:schemeClr>
+            </a:lnRef>
+            <a:fillRef idx="1">
+              <a:schemeClr val="accent2"/>
+            </a:fillRef>
+            <a:effectRef idx="0">
+              <a:schemeClr val="accent2"/>
+            </a:effectRef>
+            <a:fontRef idx="minor">
+              <a:schemeClr val="lt1"/>
+            </a:fontRef>
+          </p:style>
+          <p:txBody>
+            <a:bodyPr rot="0" spcFirstLastPara="0" vertOverflow="overflow" horzOverflow="overflow" vert="horz" wrap="square" lIns="178201" tIns="89100" rIns="178201" bIns="89100" numCol="1" spcCol="0" rtlCol="0" fromWordArt="0" anchor="ctr" anchorCtr="0" forceAA="0" compatLnSpc="1">
+              <a:prstTxWarp prst="textNoShape">
+                <a:avLst/>
+              </a:prstTxWarp>
+              <a:noAutofit/>
+            </a:bodyPr>
+            <a:lstStyle/>
+            <a:p>
+              <a:pPr algn="ctr"/>
+              <a:r>
+                <a:rPr lang="en-SG" sz="3600" b="1" dirty="0">
+                  <a:solidFill>
+                    <a:schemeClr val="bg1"/>
+                  </a:solidFill>
+                </a:rPr>
+                <a:t>2. </a:t>
+              </a:r>
+              <a:r>
+                <a:rPr lang="en-SG" sz="3600" b="1" dirty="0" err="1">
+                  <a:solidFill>
+                    <a:schemeClr val="bg1"/>
+                  </a:solidFill>
+                </a:rPr>
+                <a:t>ecg_peaks</a:t>
+              </a:r>
+              <a:r>
+                <a:rPr lang="en-SG" sz="3600" b="1" dirty="0">
+                  <a:solidFill>
+                    <a:schemeClr val="bg1"/>
+                  </a:solidFill>
+                </a:rPr>
+                <a:t>()</a:t>
+              </a:r>
+            </a:p>
+          </p:txBody>
+        </p:sp>
+        <p:sp>
+          <p:nvSpPr>
+            <p:cNvPr id="60" name="Rectangle: Rounded Corners 59">
+              <a:extLst>
+                <a:ext uri="{FF2B5EF4-FFF2-40B4-BE49-F238E27FC236}">
+                  <a16:creationId xmlns:a16="http://schemas.microsoft.com/office/drawing/2014/main" id="{DFF61D16-06FC-4C57-AFB0-9B8C09FC0901}"/>
+                </a:ext>
+              </a:extLst>
+            </p:cNvPr>
+            <p:cNvSpPr/>
+            <p:nvPr/>
+          </p:nvSpPr>
+          <p:spPr>
+            <a:xfrm>
+              <a:off x="312280" y="8718567"/>
+              <a:ext cx="4218213" cy="1468768"/>
+            </a:xfrm>
+            <a:prstGeom prst="roundRect">
+              <a:avLst>
+                <a:gd name="adj" fmla="val 12699"/>
+              </a:avLst>
+            </a:prstGeom>
+            <a:solidFill>
+              <a:srgbClr val="FF5722"/>
+            </a:solidFill>
+            <a:ln>
+              <a:noFill/>
+            </a:ln>
+          </p:spPr>
+          <p:style>
+            <a:lnRef idx="2">
+              <a:schemeClr val="accent2">
+                <a:shade val="50000"/>
+              </a:schemeClr>
+            </a:lnRef>
+            <a:fillRef idx="1">
+              <a:schemeClr val="accent2"/>
+            </a:fillRef>
+            <a:effectRef idx="0">
+              <a:schemeClr val="accent2"/>
+            </a:effectRef>
+            <a:fontRef idx="minor">
+              <a:schemeClr val="lt1"/>
+            </a:fontRef>
+          </p:style>
+          <p:txBody>
+            <a:bodyPr rot="0" spcFirstLastPara="0" vertOverflow="overflow" horzOverflow="overflow" vert="horz" wrap="square" lIns="178201" tIns="89100" rIns="178201" bIns="89100" numCol="1" spcCol="0" rtlCol="0" fromWordArt="0" anchor="ctr" anchorCtr="0" forceAA="0" compatLnSpc="1">
+              <a:prstTxWarp prst="textNoShape">
+                <a:avLst/>
+              </a:prstTxWarp>
+              <a:noAutofit/>
+            </a:bodyPr>
+            <a:lstStyle/>
+            <a:p>
+              <a:pPr algn="ctr"/>
+              <a:r>
+                <a:rPr lang="en-SG" sz="3600" b="1" dirty="0">
+                  <a:solidFill>
+                    <a:schemeClr val="bg1"/>
+                  </a:solidFill>
+                </a:rPr>
+                <a:t>3. </a:t>
+              </a:r>
+              <a:r>
+                <a:rPr lang="en-SG" sz="3600" b="1" dirty="0" err="1">
+                  <a:solidFill>
+                    <a:schemeClr val="bg1"/>
+                  </a:solidFill>
+                </a:rPr>
+                <a:t>ecg_quality</a:t>
+              </a:r>
+              <a:r>
+                <a:rPr lang="en-SG" sz="3600" b="1" dirty="0">
+                  <a:solidFill>
+                    <a:schemeClr val="bg1"/>
+                  </a:solidFill>
+                </a:rPr>
+                <a:t>()</a:t>
+              </a:r>
+            </a:p>
+          </p:txBody>
+        </p:sp>
+        <p:sp>
+          <p:nvSpPr>
+            <p:cNvPr id="61" name="Rectangle: Rounded Corners 60">
+              <a:extLst>
+                <a:ext uri="{FF2B5EF4-FFF2-40B4-BE49-F238E27FC236}">
+                  <a16:creationId xmlns:a16="http://schemas.microsoft.com/office/drawing/2014/main" id="{95F02F57-98D8-407B-992C-9BFBBEE1076E}"/>
+                </a:ext>
+              </a:extLst>
+            </p:cNvPr>
+            <p:cNvSpPr/>
+            <p:nvPr/>
+          </p:nvSpPr>
+          <p:spPr>
+            <a:xfrm>
+              <a:off x="283770" y="10750504"/>
+              <a:ext cx="4246725" cy="1468768"/>
+            </a:xfrm>
+            <a:prstGeom prst="roundRect">
+              <a:avLst>
+                <a:gd name="adj" fmla="val 12699"/>
+              </a:avLst>
+            </a:prstGeom>
+            <a:solidFill>
+              <a:srgbClr val="F44336"/>
+            </a:solidFill>
+            <a:ln>
+              <a:noFill/>
+            </a:ln>
+          </p:spPr>
+          <p:style>
+            <a:lnRef idx="2">
+              <a:schemeClr val="accent2">
+                <a:shade val="50000"/>
+              </a:schemeClr>
+            </a:lnRef>
+            <a:fillRef idx="1">
+              <a:schemeClr val="accent2"/>
+            </a:fillRef>
+            <a:effectRef idx="0">
+              <a:schemeClr val="accent2"/>
+            </a:effectRef>
+            <a:fontRef idx="minor">
+              <a:schemeClr val="lt1"/>
+            </a:fontRef>
+          </p:style>
+          <p:txBody>
+            <a:bodyPr rot="0" spcFirstLastPara="0" vertOverflow="overflow" horzOverflow="overflow" vert="horz" wrap="square" lIns="178201" tIns="89100" rIns="178201" bIns="89100" numCol="1" spcCol="0" rtlCol="0" fromWordArt="0" anchor="ctr" anchorCtr="0" forceAA="0" compatLnSpc="1">
+              <a:prstTxWarp prst="textNoShape">
+                <a:avLst/>
+              </a:prstTxWarp>
+              <a:noAutofit/>
+            </a:bodyPr>
+            <a:lstStyle/>
+            <a:p>
+              <a:pPr algn="ctr"/>
+              <a:r>
+                <a:rPr lang="en-SG" sz="3600" b="1" dirty="0">
+                  <a:solidFill>
+                    <a:schemeClr val="bg1"/>
+                  </a:solidFill>
+                </a:rPr>
+                <a:t>4. </a:t>
+              </a:r>
+              <a:r>
+                <a:rPr lang="en-SG" sz="3600" b="1" dirty="0" err="1">
+                  <a:solidFill>
+                    <a:schemeClr val="bg1"/>
+                  </a:solidFill>
+                </a:rPr>
+                <a:t>ecg_delineate</a:t>
+              </a:r>
+              <a:r>
+                <a:rPr lang="en-SG" sz="3600" b="1" dirty="0">
+                  <a:solidFill>
+                    <a:schemeClr val="bg1"/>
+                  </a:solidFill>
+                </a:rPr>
+                <a:t>()</a:t>
+              </a:r>
+            </a:p>
+          </p:txBody>
+        </p:sp>
+        <p:sp>
+          <p:nvSpPr>
+            <p:cNvPr id="62" name="Rectangle: Rounded Corners 61">
+              <a:extLst>
+                <a:ext uri="{FF2B5EF4-FFF2-40B4-BE49-F238E27FC236}">
+                  <a16:creationId xmlns:a16="http://schemas.microsoft.com/office/drawing/2014/main" id="{60E4B8E6-FA42-4DBF-A46D-E1BF7AB3D1D7}"/>
+                </a:ext>
+              </a:extLst>
+            </p:cNvPr>
+            <p:cNvSpPr/>
+            <p:nvPr/>
+          </p:nvSpPr>
+          <p:spPr>
+            <a:xfrm>
+              <a:off x="312280" y="12782444"/>
+              <a:ext cx="4218213" cy="1468768"/>
+            </a:xfrm>
+            <a:prstGeom prst="roundRect">
+              <a:avLst>
+                <a:gd name="adj" fmla="val 12699"/>
+              </a:avLst>
+            </a:prstGeom>
+            <a:solidFill>
+              <a:srgbClr val="E91E63"/>
+            </a:solidFill>
+            <a:ln>
+              <a:noFill/>
+            </a:ln>
+          </p:spPr>
+          <p:style>
+            <a:lnRef idx="2">
+              <a:schemeClr val="accent2">
+                <a:shade val="50000"/>
+              </a:schemeClr>
+            </a:lnRef>
+            <a:fillRef idx="1">
+              <a:schemeClr val="accent2"/>
+            </a:fillRef>
+            <a:effectRef idx="0">
+              <a:schemeClr val="accent2"/>
+            </a:effectRef>
+            <a:fontRef idx="minor">
+              <a:schemeClr val="lt1"/>
+            </a:fontRef>
+          </p:style>
+          <p:txBody>
+            <a:bodyPr rot="0" spcFirstLastPara="0" vertOverflow="overflow" horzOverflow="overflow" vert="horz" wrap="square" lIns="178201" tIns="89100" rIns="178201" bIns="89100" numCol="1" spcCol="0" rtlCol="0" fromWordArt="0" anchor="ctr" anchorCtr="0" forceAA="0" compatLnSpc="1">
+              <a:prstTxWarp prst="textNoShape">
+                <a:avLst/>
+              </a:prstTxWarp>
+              <a:noAutofit/>
+            </a:bodyPr>
+            <a:lstStyle/>
+            <a:p>
+              <a:pPr algn="ctr"/>
+              <a:r>
+                <a:rPr lang="en-SG" sz="3600" b="1" dirty="0">
+                  <a:solidFill>
+                    <a:schemeClr val="bg1"/>
+                  </a:solidFill>
+                </a:rPr>
+                <a:t>5. </a:t>
+              </a:r>
+              <a:r>
+                <a:rPr lang="en-SG" sz="3600" b="1" dirty="0" err="1">
+                  <a:solidFill>
+                    <a:schemeClr val="bg1"/>
+                  </a:solidFill>
+                </a:rPr>
+                <a:t>ecg_phase</a:t>
+              </a:r>
+              <a:r>
+                <a:rPr lang="en-SG" sz="3600" b="1" dirty="0">
+                  <a:solidFill>
+                    <a:schemeClr val="bg1"/>
+                  </a:solidFill>
+                </a:rPr>
+                <a:t>()</a:t>
+              </a:r>
+            </a:p>
+          </p:txBody>
+        </p:sp>
+        <p:grpSp>
+          <p:nvGrpSpPr>
+            <p:cNvPr id="31" name="Group 30">
+              <a:extLst>
+                <a:ext uri="{FF2B5EF4-FFF2-40B4-BE49-F238E27FC236}">
+                  <a16:creationId xmlns:a16="http://schemas.microsoft.com/office/drawing/2014/main" id="{22CBE979-3C75-4406-9905-C360F6E11033}"/>
+                </a:ext>
+              </a:extLst>
+            </p:cNvPr>
+            <p:cNvGrpSpPr/>
+            <p:nvPr/>
+          </p:nvGrpSpPr>
+          <p:grpSpPr>
+            <a:xfrm>
+              <a:off x="283768" y="2622757"/>
+              <a:ext cx="4218213" cy="1468768"/>
+              <a:chOff x="5363375" y="4437029"/>
+              <a:chExt cx="2762849" cy="959534"/>
+            </a:xfrm>
+          </p:grpSpPr>
+          <p:sp>
+            <p:nvSpPr>
+              <p:cNvPr id="28" name="Rectangle: Rounded Corners 27">
+                <a:extLst>
+                  <a:ext uri="{FF2B5EF4-FFF2-40B4-BE49-F238E27FC236}">
+                    <a16:creationId xmlns:a16="http://schemas.microsoft.com/office/drawing/2014/main" id="{2F3329AE-A13C-4C00-B1BD-71985DDA4A48}"/>
+                  </a:ext>
+                </a:extLst>
+              </p:cNvPr>
+              <p:cNvSpPr/>
+              <p:nvPr/>
+            </p:nvSpPr>
+            <p:spPr>
+              <a:xfrm>
+                <a:off x="5363375" y="4437029"/>
+                <a:ext cx="2762849" cy="959534"/>
+              </a:xfrm>
+              <a:prstGeom prst="roundRect">
+                <a:avLst>
+                  <a:gd name="adj" fmla="val 12699"/>
+                </a:avLst>
+              </a:prstGeom>
+              <a:solidFill>
+                <a:srgbClr val="1E96F3"/>
+              </a:solidFill>
+              <a:ln>
+                <a:noFill/>
+              </a:ln>
+            </p:spPr>
+            <p:style>
+              <a:lnRef idx="2">
+                <a:schemeClr val="accent2">
+                  <a:shade val="50000"/>
+                </a:schemeClr>
+              </a:lnRef>
+              <a:fillRef idx="1">
+                <a:schemeClr val="accent2"/>
+              </a:fillRef>
+              <a:effectRef idx="0">
+                <a:schemeClr val="accent2"/>
+              </a:effectRef>
+              <a:fontRef idx="minor">
+                <a:schemeClr val="lt1"/>
+              </a:fontRef>
+            </p:style>
+            <p:txBody>
+              <a:bodyPr rot="0" spcFirstLastPara="0" vertOverflow="overflow" horzOverflow="overflow" vert="horz" wrap="square" lIns="178201" tIns="89100" rIns="178201" bIns="89100" numCol="1" spcCol="0" rtlCol="0" fromWordArt="0" anchor="ctr" anchorCtr="0" forceAA="0" compatLnSpc="1">
+                <a:prstTxWarp prst="textNoShape">
+                  <a:avLst/>
+                </a:prstTxWarp>
+                <a:noAutofit/>
+              </a:bodyPr>
+              <a:lstStyle/>
+              <a:p>
+                <a:pPr algn="ctr"/>
+                <a:r>
+                  <a:rPr lang="en-SG" sz="4000" b="1" dirty="0" err="1">
+                    <a:solidFill>
+                      <a:schemeClr val="bg1"/>
+                    </a:solidFill>
+                  </a:rPr>
+                  <a:t>ecg_process</a:t>
+                </a:r>
+                <a:r>
+                  <a:rPr lang="en-SG" sz="4000" b="1" dirty="0">
+                    <a:solidFill>
+                      <a:schemeClr val="bg1"/>
+                    </a:solidFill>
+                  </a:rPr>
+                  <a:t>()</a:t>
+                </a:r>
+              </a:p>
+            </p:txBody>
+          </p:sp>
+          <p:sp>
+            <p:nvSpPr>
+              <p:cNvPr id="79" name="Rectangle 78">
+                <a:extLst>
+                  <a:ext uri="{FF2B5EF4-FFF2-40B4-BE49-F238E27FC236}">
+                    <a16:creationId xmlns:a16="http://schemas.microsoft.com/office/drawing/2014/main" id="{A9FA249B-6A44-41D7-A019-825EDA491701}"/>
+                  </a:ext>
+                </a:extLst>
+              </p:cNvPr>
+              <p:cNvSpPr/>
+              <p:nvPr/>
+            </p:nvSpPr>
+            <p:spPr>
+              <a:xfrm>
+                <a:off x="5669350" y="5027231"/>
+                <a:ext cx="2104251" cy="344122"/>
+              </a:xfrm>
+              <a:prstGeom prst="rect">
+                <a:avLst/>
+              </a:prstGeom>
+            </p:spPr>
+            <p:txBody>
+              <a:bodyPr wrap="square">
+                <a:spAutoFit/>
+              </a:bodyPr>
+              <a:lstStyle/>
+              <a:p>
+                <a:pPr algn="ctr"/>
+                <a:r>
+                  <a:rPr lang="en-SG" sz="2800" i="1" dirty="0">
+                    <a:solidFill>
+                      <a:schemeClr val="bg1"/>
+                    </a:solidFill>
+                  </a:rPr>
+                  <a:t>Electrocardiogram</a:t>
+                </a:r>
+              </a:p>
+            </p:txBody>
+          </p:sp>
+        </p:grpSp>
+        <p:grpSp>
+          <p:nvGrpSpPr>
+            <p:cNvPr id="30" name="Group 29">
+              <a:extLst>
+                <a:ext uri="{FF2B5EF4-FFF2-40B4-BE49-F238E27FC236}">
+                  <a16:creationId xmlns:a16="http://schemas.microsoft.com/office/drawing/2014/main" id="{7A1E1DEB-AC08-4688-9970-6929DEABB0CB}"/>
+                </a:ext>
+              </a:extLst>
+            </p:cNvPr>
+            <p:cNvGrpSpPr/>
+            <p:nvPr/>
+          </p:nvGrpSpPr>
+          <p:grpSpPr>
+            <a:xfrm>
+              <a:off x="4956251" y="2595682"/>
+              <a:ext cx="4218213" cy="1468768"/>
+              <a:chOff x="8585547" y="4491977"/>
+              <a:chExt cx="2762849" cy="959534"/>
+            </a:xfrm>
+          </p:grpSpPr>
+          <p:sp>
+            <p:nvSpPr>
+              <p:cNvPr id="48" name="Rectangle: Rounded Corners 47">
+                <a:extLst>
+                  <a:ext uri="{FF2B5EF4-FFF2-40B4-BE49-F238E27FC236}">
+                    <a16:creationId xmlns:a16="http://schemas.microsoft.com/office/drawing/2014/main" id="{91C5C5DE-00C7-44CD-A7B8-734FAC09CEAD}"/>
+                  </a:ext>
+                </a:extLst>
+              </p:cNvPr>
+              <p:cNvSpPr/>
+              <p:nvPr/>
+            </p:nvSpPr>
+            <p:spPr>
+              <a:xfrm>
+                <a:off x="8585547" y="4491977"/>
+                <a:ext cx="2762849" cy="959534"/>
+              </a:xfrm>
+              <a:prstGeom prst="roundRect">
+                <a:avLst>
+                  <a:gd name="adj" fmla="val 12699"/>
+                </a:avLst>
+              </a:prstGeom>
+              <a:solidFill>
+                <a:srgbClr val="1E96F3"/>
+              </a:solidFill>
+              <a:ln>
+                <a:noFill/>
+              </a:ln>
+            </p:spPr>
+            <p:style>
+              <a:lnRef idx="2">
+                <a:schemeClr val="accent2">
+                  <a:shade val="50000"/>
+                </a:schemeClr>
+              </a:lnRef>
+              <a:fillRef idx="1">
+                <a:schemeClr val="accent2"/>
+              </a:fillRef>
+              <a:effectRef idx="0">
+                <a:schemeClr val="accent2"/>
+              </a:effectRef>
+              <a:fontRef idx="minor">
+                <a:schemeClr val="lt1"/>
+              </a:fontRef>
+            </p:style>
+            <p:txBody>
+              <a:bodyPr rot="0" spcFirstLastPara="0" vertOverflow="overflow" horzOverflow="overflow" vert="horz" wrap="square" lIns="178201" tIns="89100" rIns="178201" bIns="89100" numCol="1" spcCol="0" rtlCol="0" fromWordArt="0" anchor="ctr" anchorCtr="0" forceAA="0" compatLnSpc="1">
+                <a:prstTxWarp prst="textNoShape">
+                  <a:avLst/>
+                </a:prstTxWarp>
+                <a:noAutofit/>
+              </a:bodyPr>
+              <a:lstStyle/>
+              <a:p>
+                <a:pPr algn="ctr"/>
+                <a:r>
+                  <a:rPr lang="en-SG" sz="4000" b="1" dirty="0" err="1">
+                    <a:solidFill>
+                      <a:schemeClr val="bg1"/>
+                    </a:solidFill>
+                  </a:rPr>
+                  <a:t>rsp_process</a:t>
+                </a:r>
+                <a:r>
+                  <a:rPr lang="en-SG" sz="4000" b="1" dirty="0">
+                    <a:solidFill>
+                      <a:schemeClr val="bg1"/>
+                    </a:solidFill>
+                  </a:rPr>
+                  <a:t>()</a:t>
+                </a:r>
+              </a:p>
+            </p:txBody>
+          </p:sp>
+          <p:sp>
+            <p:nvSpPr>
+              <p:cNvPr id="80" name="Rectangle 79">
+                <a:extLst>
+                  <a:ext uri="{FF2B5EF4-FFF2-40B4-BE49-F238E27FC236}">
+                    <a16:creationId xmlns:a16="http://schemas.microsoft.com/office/drawing/2014/main" id="{4A7EB29C-C1EF-4AFC-94DD-E695BD45865A}"/>
+                  </a:ext>
+                </a:extLst>
+              </p:cNvPr>
+              <p:cNvSpPr/>
+              <p:nvPr/>
+            </p:nvSpPr>
+            <p:spPr>
+              <a:xfrm>
+                <a:off x="9178467" y="5082179"/>
+                <a:ext cx="1577006" cy="344122"/>
+              </a:xfrm>
+              <a:prstGeom prst="rect">
+                <a:avLst/>
+              </a:prstGeom>
+            </p:spPr>
+            <p:txBody>
+              <a:bodyPr wrap="square">
+                <a:spAutoFit/>
+              </a:bodyPr>
+              <a:lstStyle/>
+              <a:p>
+                <a:pPr algn="ctr"/>
+                <a:r>
+                  <a:rPr lang="en-SG" sz="2800" i="1" dirty="0">
+                    <a:solidFill>
+                      <a:schemeClr val="bg1"/>
+                    </a:solidFill>
+                  </a:rPr>
+                  <a:t>Respiration</a:t>
+                </a:r>
+              </a:p>
+            </p:txBody>
+          </p:sp>
+        </p:grpSp>
+        <p:grpSp>
+          <p:nvGrpSpPr>
+            <p:cNvPr id="26" name="Group 25">
+              <a:extLst>
+                <a:ext uri="{FF2B5EF4-FFF2-40B4-BE49-F238E27FC236}">
+                  <a16:creationId xmlns:a16="http://schemas.microsoft.com/office/drawing/2014/main" id="{D13EDBD9-A078-4433-A738-8ABB1BD8688E}"/>
+                </a:ext>
+              </a:extLst>
+            </p:cNvPr>
+            <p:cNvGrpSpPr/>
+            <p:nvPr/>
+          </p:nvGrpSpPr>
+          <p:grpSpPr>
+            <a:xfrm>
+              <a:off x="9628733" y="2578322"/>
+              <a:ext cx="4218213" cy="1468768"/>
+              <a:chOff x="12310446" y="4480636"/>
+              <a:chExt cx="2762849" cy="959534"/>
+            </a:xfrm>
+          </p:grpSpPr>
+          <p:sp>
+            <p:nvSpPr>
+              <p:cNvPr id="49" name="Rectangle: Rounded Corners 48">
+                <a:extLst>
+                  <a:ext uri="{FF2B5EF4-FFF2-40B4-BE49-F238E27FC236}">
+                    <a16:creationId xmlns:a16="http://schemas.microsoft.com/office/drawing/2014/main" id="{25AAF6D9-127F-4673-AB72-897366B58BE1}"/>
+                  </a:ext>
+                </a:extLst>
+              </p:cNvPr>
+              <p:cNvSpPr/>
+              <p:nvPr/>
+            </p:nvSpPr>
+            <p:spPr>
+              <a:xfrm>
+                <a:off x="12310446" y="4480636"/>
+                <a:ext cx="2762849" cy="959534"/>
+              </a:xfrm>
+              <a:prstGeom prst="roundRect">
+                <a:avLst>
+                  <a:gd name="adj" fmla="val 12699"/>
+                </a:avLst>
+              </a:prstGeom>
+              <a:solidFill>
+                <a:srgbClr val="1E96F3"/>
+              </a:solidFill>
+              <a:ln>
+                <a:noFill/>
+              </a:ln>
+            </p:spPr>
+            <p:style>
+              <a:lnRef idx="2">
+                <a:schemeClr val="accent2">
+                  <a:shade val="50000"/>
+                </a:schemeClr>
+              </a:lnRef>
+              <a:fillRef idx="1">
+                <a:schemeClr val="accent2"/>
+              </a:fillRef>
+              <a:effectRef idx="0">
+                <a:schemeClr val="accent2"/>
+              </a:effectRef>
+              <a:fontRef idx="minor">
+                <a:schemeClr val="lt1"/>
+              </a:fontRef>
+            </p:style>
+            <p:txBody>
+              <a:bodyPr rot="0" spcFirstLastPara="0" vertOverflow="overflow" horzOverflow="overflow" vert="horz" wrap="square" lIns="178201" tIns="89100" rIns="178201" bIns="89100" numCol="1" spcCol="0" rtlCol="0" fromWordArt="0" anchor="ctr" anchorCtr="0" forceAA="0" compatLnSpc="1">
+                <a:prstTxWarp prst="textNoShape">
+                  <a:avLst/>
+                </a:prstTxWarp>
+                <a:noAutofit/>
+              </a:bodyPr>
+              <a:lstStyle/>
+              <a:p>
+                <a:pPr algn="ctr"/>
+                <a:r>
+                  <a:rPr lang="en-SG" sz="4000" b="1" dirty="0" err="1">
+                    <a:solidFill>
+                      <a:schemeClr val="bg1"/>
+                    </a:solidFill>
+                  </a:rPr>
+                  <a:t>emg_process</a:t>
+                </a:r>
+                <a:r>
+                  <a:rPr lang="en-SG" sz="4000" b="1" dirty="0">
+                    <a:solidFill>
+                      <a:schemeClr val="bg1"/>
+                    </a:solidFill>
+                  </a:rPr>
+                  <a:t>()</a:t>
+                </a:r>
+              </a:p>
+            </p:txBody>
+          </p:sp>
+          <p:sp>
+            <p:nvSpPr>
+              <p:cNvPr id="81" name="Rectangle 80">
+                <a:extLst>
+                  <a:ext uri="{FF2B5EF4-FFF2-40B4-BE49-F238E27FC236}">
+                    <a16:creationId xmlns:a16="http://schemas.microsoft.com/office/drawing/2014/main" id="{9E438D22-9A50-455A-B9CF-82E85610E859}"/>
+                  </a:ext>
+                </a:extLst>
+              </p:cNvPr>
+              <p:cNvSpPr/>
+              <p:nvPr/>
+            </p:nvSpPr>
+            <p:spPr>
+              <a:xfrm>
+                <a:off x="12718305" y="5072846"/>
+                <a:ext cx="1872577" cy="344122"/>
+              </a:xfrm>
+              <a:prstGeom prst="rect">
+                <a:avLst/>
+              </a:prstGeom>
+              <a:noFill/>
+            </p:spPr>
+            <p:txBody>
+              <a:bodyPr wrap="square">
+                <a:spAutoFit/>
+              </a:bodyPr>
+              <a:lstStyle/>
+              <a:p>
+                <a:pPr algn="ctr"/>
+                <a:r>
+                  <a:rPr lang="en-SG" sz="2800" i="1" dirty="0">
+                    <a:solidFill>
+                      <a:schemeClr val="bg1"/>
+                    </a:solidFill>
+                  </a:rPr>
+                  <a:t>Electromyography</a:t>
+                </a:r>
+              </a:p>
+            </p:txBody>
+          </p:sp>
+        </p:grpSp>
+        <p:grpSp>
+          <p:nvGrpSpPr>
+            <p:cNvPr id="25" name="Group 24">
+              <a:extLst>
+                <a:ext uri="{FF2B5EF4-FFF2-40B4-BE49-F238E27FC236}">
+                  <a16:creationId xmlns:a16="http://schemas.microsoft.com/office/drawing/2014/main" id="{C141F7AC-9C86-4CC2-B716-EDDA90BE4E9E}"/>
+                </a:ext>
+              </a:extLst>
+            </p:cNvPr>
+            <p:cNvGrpSpPr/>
+            <p:nvPr/>
+          </p:nvGrpSpPr>
+          <p:grpSpPr>
+            <a:xfrm>
+              <a:off x="14301216" y="2595682"/>
+              <a:ext cx="4218985" cy="1468768"/>
+              <a:chOff x="15810203" y="4491977"/>
+              <a:chExt cx="2763355" cy="959534"/>
+            </a:xfrm>
+          </p:grpSpPr>
+          <p:sp>
+            <p:nvSpPr>
+              <p:cNvPr id="50" name="Rectangle: Rounded Corners 49">
+                <a:extLst>
+                  <a:ext uri="{FF2B5EF4-FFF2-40B4-BE49-F238E27FC236}">
+                    <a16:creationId xmlns:a16="http://schemas.microsoft.com/office/drawing/2014/main" id="{530221AB-9678-44CB-841E-F983F084AB78}"/>
+                  </a:ext>
+                </a:extLst>
+              </p:cNvPr>
+              <p:cNvSpPr/>
+              <p:nvPr/>
+            </p:nvSpPr>
+            <p:spPr>
+              <a:xfrm>
+                <a:off x="15810203" y="4491977"/>
+                <a:ext cx="2762849" cy="959534"/>
+              </a:xfrm>
+              <a:prstGeom prst="roundRect">
+                <a:avLst>
+                  <a:gd name="adj" fmla="val 12699"/>
+                </a:avLst>
+              </a:prstGeom>
+              <a:solidFill>
+                <a:srgbClr val="1E96F3"/>
+              </a:solidFill>
+              <a:ln>
+                <a:noFill/>
+              </a:ln>
+            </p:spPr>
+            <p:style>
+              <a:lnRef idx="2">
+                <a:schemeClr val="accent2">
+                  <a:shade val="50000"/>
+                </a:schemeClr>
+              </a:lnRef>
+              <a:fillRef idx="1">
+                <a:schemeClr val="accent2"/>
+              </a:fillRef>
+              <a:effectRef idx="0">
+                <a:schemeClr val="accent2"/>
+              </a:effectRef>
+              <a:fontRef idx="minor">
+                <a:schemeClr val="lt1"/>
+              </a:fontRef>
+            </p:style>
+            <p:txBody>
+              <a:bodyPr rot="0" spcFirstLastPara="0" vertOverflow="overflow" horzOverflow="overflow" vert="horz" wrap="square" lIns="178201" tIns="89100" rIns="178201" bIns="89100" numCol="1" spcCol="0" rtlCol="0" fromWordArt="0" anchor="ctr" anchorCtr="0" forceAA="0" compatLnSpc="1">
+                <a:prstTxWarp prst="textNoShape">
+                  <a:avLst/>
+                </a:prstTxWarp>
+                <a:noAutofit/>
+              </a:bodyPr>
+              <a:lstStyle/>
+              <a:p>
+                <a:pPr algn="ctr"/>
+                <a:r>
+                  <a:rPr lang="en-SG" sz="4000" b="1" dirty="0" err="1">
+                    <a:solidFill>
+                      <a:schemeClr val="bg1"/>
+                    </a:solidFill>
+                  </a:rPr>
+                  <a:t>eda_process</a:t>
+                </a:r>
+                <a:r>
+                  <a:rPr lang="en-SG" sz="4000" b="1" dirty="0">
+                    <a:solidFill>
+                      <a:schemeClr val="bg1"/>
+                    </a:solidFill>
+                  </a:rPr>
+                  <a:t>()</a:t>
+                </a:r>
+              </a:p>
+            </p:txBody>
+          </p:sp>
+          <p:sp>
+            <p:nvSpPr>
+              <p:cNvPr id="82" name="Rectangle 81">
+                <a:extLst>
+                  <a:ext uri="{FF2B5EF4-FFF2-40B4-BE49-F238E27FC236}">
+                    <a16:creationId xmlns:a16="http://schemas.microsoft.com/office/drawing/2014/main" id="{3C9B8577-EDBD-423C-BE69-8E0109D470FE}"/>
+                  </a:ext>
+                </a:extLst>
+              </p:cNvPr>
+              <p:cNvSpPr/>
+              <p:nvPr/>
+            </p:nvSpPr>
+            <p:spPr>
+              <a:xfrm>
+                <a:off x="15834100" y="5083018"/>
+                <a:ext cx="2739458" cy="344122"/>
+              </a:xfrm>
+              <a:prstGeom prst="rect">
+                <a:avLst/>
+              </a:prstGeom>
+              <a:noFill/>
+            </p:spPr>
+            <p:txBody>
+              <a:bodyPr wrap="square">
+                <a:spAutoFit/>
+              </a:bodyPr>
+              <a:lstStyle/>
+              <a:p>
+                <a:pPr algn="ctr"/>
+                <a:r>
+                  <a:rPr lang="en-SG" sz="2800" i="1" dirty="0">
+                    <a:solidFill>
+                      <a:schemeClr val="bg1"/>
+                    </a:solidFill>
+                  </a:rPr>
+                  <a:t>Electrodermal Activity</a:t>
+                </a:r>
+              </a:p>
+            </p:txBody>
+          </p:sp>
+        </p:grpSp>
+        <p:grpSp>
+          <p:nvGrpSpPr>
+            <p:cNvPr id="24" name="Group 23">
+              <a:extLst>
+                <a:ext uri="{FF2B5EF4-FFF2-40B4-BE49-F238E27FC236}">
+                  <a16:creationId xmlns:a16="http://schemas.microsoft.com/office/drawing/2014/main" id="{029FF6B1-F5B6-4457-9E0D-BBC746D12B0B}"/>
+                </a:ext>
+              </a:extLst>
+            </p:cNvPr>
+            <p:cNvGrpSpPr/>
+            <p:nvPr/>
+          </p:nvGrpSpPr>
+          <p:grpSpPr>
+            <a:xfrm>
+              <a:off x="19061728" y="2595682"/>
+              <a:ext cx="4255472" cy="1468768"/>
+              <a:chOff x="19309960" y="4491977"/>
+              <a:chExt cx="2787253" cy="959534"/>
+            </a:xfrm>
+          </p:grpSpPr>
+          <p:sp>
+            <p:nvSpPr>
+              <p:cNvPr id="51" name="Rectangle: Rounded Corners 50">
+                <a:extLst>
+                  <a:ext uri="{FF2B5EF4-FFF2-40B4-BE49-F238E27FC236}">
+                    <a16:creationId xmlns:a16="http://schemas.microsoft.com/office/drawing/2014/main" id="{D38ED590-67BF-45CB-9E0E-26ADEBCA288A}"/>
+                  </a:ext>
+                </a:extLst>
+              </p:cNvPr>
+              <p:cNvSpPr/>
+              <p:nvPr/>
+            </p:nvSpPr>
+            <p:spPr>
+              <a:xfrm>
+                <a:off x="19334364" y="4491977"/>
+                <a:ext cx="2762849" cy="959534"/>
+              </a:xfrm>
+              <a:prstGeom prst="roundRect">
+                <a:avLst>
+                  <a:gd name="adj" fmla="val 12699"/>
+                </a:avLst>
+              </a:prstGeom>
+              <a:solidFill>
+                <a:srgbClr val="1E96F3"/>
+              </a:solidFill>
+              <a:ln>
+                <a:noFill/>
+              </a:ln>
+            </p:spPr>
+            <p:style>
+              <a:lnRef idx="2">
+                <a:schemeClr val="accent2">
+                  <a:shade val="50000"/>
+                </a:schemeClr>
+              </a:lnRef>
+              <a:fillRef idx="1">
+                <a:schemeClr val="accent2"/>
+              </a:fillRef>
+              <a:effectRef idx="0">
+                <a:schemeClr val="accent2"/>
+              </a:effectRef>
+              <a:fontRef idx="minor">
+                <a:schemeClr val="lt1"/>
+              </a:fontRef>
+            </p:style>
+            <p:txBody>
+              <a:bodyPr rot="0" spcFirstLastPara="0" vertOverflow="overflow" horzOverflow="overflow" vert="horz" wrap="square" lIns="178201" tIns="89100" rIns="178201" bIns="89100" numCol="1" spcCol="0" rtlCol="0" fromWordArt="0" anchor="ctr" anchorCtr="0" forceAA="0" compatLnSpc="1">
+                <a:prstTxWarp prst="textNoShape">
+                  <a:avLst/>
+                </a:prstTxWarp>
+                <a:noAutofit/>
+              </a:bodyPr>
+              <a:lstStyle/>
+              <a:p>
+                <a:pPr algn="ctr"/>
+                <a:r>
+                  <a:rPr lang="en-SG" sz="4000" b="1" dirty="0" err="1">
+                    <a:solidFill>
+                      <a:schemeClr val="bg1"/>
+                    </a:solidFill>
+                  </a:rPr>
+                  <a:t>eog_process</a:t>
+                </a:r>
+                <a:r>
+                  <a:rPr lang="en-SG" sz="4000" b="1" dirty="0">
+                    <a:solidFill>
+                      <a:schemeClr val="bg1"/>
+                    </a:solidFill>
+                  </a:rPr>
+                  <a:t>()</a:t>
+                </a:r>
+              </a:p>
+            </p:txBody>
+          </p:sp>
+          <p:sp>
+            <p:nvSpPr>
+              <p:cNvPr id="87" name="Rectangle 86">
+                <a:extLst>
+                  <a:ext uri="{FF2B5EF4-FFF2-40B4-BE49-F238E27FC236}">
+                    <a16:creationId xmlns:a16="http://schemas.microsoft.com/office/drawing/2014/main" id="{4E534F1D-2044-45B4-ADCB-18ACE6FCE47C}"/>
+                  </a:ext>
+                </a:extLst>
+              </p:cNvPr>
+              <p:cNvSpPr/>
+              <p:nvPr/>
+            </p:nvSpPr>
+            <p:spPr>
+              <a:xfrm>
+                <a:off x="19309960" y="5094574"/>
+                <a:ext cx="2739458" cy="344122"/>
+              </a:xfrm>
+              <a:prstGeom prst="rect">
+                <a:avLst/>
+              </a:prstGeom>
+              <a:noFill/>
+            </p:spPr>
+            <p:txBody>
+              <a:bodyPr wrap="square">
+                <a:spAutoFit/>
+              </a:bodyPr>
+              <a:lstStyle/>
+              <a:p>
+                <a:pPr algn="ctr"/>
+                <a:r>
+                  <a:rPr lang="en-SG" sz="2800" i="1" dirty="0">
+                    <a:solidFill>
+                      <a:schemeClr val="bg1"/>
+                    </a:solidFill>
+                  </a:rPr>
+                  <a:t>Electrooculography</a:t>
+                </a:r>
+              </a:p>
+            </p:txBody>
+          </p:sp>
+        </p:grpSp>
+      </p:grpSp>
+      <p:sp>
+        <p:nvSpPr>
+          <p:cNvPr id="2" name="Rectangle 1">
+            <a:extLst>
+              <a:ext uri="{FF2B5EF4-FFF2-40B4-BE49-F238E27FC236}">
+                <a16:creationId xmlns:a16="http://schemas.microsoft.com/office/drawing/2014/main" id="{C50CEC12-391D-4B5D-8A07-30A24F7AD967}"/>
+              </a:ext>
+            </a:extLst>
+          </p:cNvPr>
+          <p:cNvSpPr/>
+          <p:nvPr/>
+        </p:nvSpPr>
+        <p:spPr>
+          <a:xfrm>
+            <a:off x="4656193" y="4865981"/>
+            <a:ext cx="13311490" cy="1562100"/>
+          </a:xfrm>
+          <a:prstGeom prst="rect">
+            <a:avLst/>
+          </a:prstGeom>
+          <a:noFill/>
+          <a:ln>
+            <a:noFill/>
+          </a:ln>
+        </p:spPr>
+        <p:style>
+          <a:lnRef idx="2">
+            <a:schemeClr val="accent1">
+              <a:shade val="50000"/>
+            </a:schemeClr>
+          </a:lnRef>
+          <a:fillRef idx="1">
+            <a:schemeClr val="accent1"/>
+          </a:fillRef>
+          <a:effectRef idx="0">
+            <a:schemeClr val="accent1"/>
+          </a:effectRef>
+          <a:fontRef idx="minor">
+            <a:schemeClr val="lt1"/>
+          </a:fontRef>
+        </p:style>
+        <p:txBody>
+          <a:bodyPr rtlCol="0" anchor="ctr"/>
+          <a:lstStyle/>
+          <a:p>
+            <a:pPr marL="571500" indent="-571500">
+              <a:buFont typeface="Arial" panose="020B0604020202020204" pitchFamily="34" charset="0"/>
+              <a:buChar char="•"/>
+            </a:pPr>
+            <a:r>
+              <a:rPr lang="en-SG" sz="3600" dirty="0">
+                <a:solidFill>
+                  <a:schemeClr val="tx1"/>
+                </a:solidFill>
+              </a:rPr>
+              <a:t>Prepares a raw ECG signal for QRS complex peak detection using different methods e.g., hamilton2002</a:t>
+            </a:r>
+          </a:p>
+          <a:p>
+            <a:pPr marL="571500" indent="-571500">
+              <a:buFont typeface="Arial" panose="020B0604020202020204" pitchFamily="34" charset="0"/>
+              <a:buChar char="•"/>
+            </a:pPr>
+            <a:endParaRPr lang="en-SG" sz="3600" dirty="0">
+              <a:solidFill>
+                <a:schemeClr val="tx1"/>
+              </a:solidFill>
+            </a:endParaRPr>
+          </a:p>
+        </p:txBody>
+      </p:sp>
+      <p:sp>
+        <p:nvSpPr>
+          <p:cNvPr id="4" name="Rectangle 3">
+            <a:extLst>
+              <a:ext uri="{FF2B5EF4-FFF2-40B4-BE49-F238E27FC236}">
+                <a16:creationId xmlns:a16="http://schemas.microsoft.com/office/drawing/2014/main" id="{863592F7-EE20-45CB-AAEF-6DC155ED7AB6}"/>
+              </a:ext>
+            </a:extLst>
+          </p:cNvPr>
+          <p:cNvSpPr/>
+          <p:nvPr/>
+        </p:nvSpPr>
+        <p:spPr>
+          <a:xfrm>
+            <a:off x="4656193" y="6900782"/>
+            <a:ext cx="13311490" cy="1562100"/>
+          </a:xfrm>
+          <a:prstGeom prst="rect">
+            <a:avLst/>
+          </a:prstGeom>
+          <a:noFill/>
+          <a:ln>
+            <a:noFill/>
+          </a:ln>
+        </p:spPr>
+        <p:style>
+          <a:lnRef idx="2">
+            <a:schemeClr val="accent1">
+              <a:shade val="50000"/>
+            </a:schemeClr>
+          </a:lnRef>
+          <a:fillRef idx="1">
+            <a:schemeClr val="accent1"/>
+          </a:fillRef>
+          <a:effectRef idx="0">
+            <a:schemeClr val="accent1"/>
+          </a:effectRef>
+          <a:fontRef idx="minor">
+            <a:schemeClr val="lt1"/>
+          </a:fontRef>
+        </p:style>
+        <p:txBody>
+          <a:bodyPr rtlCol="0" anchor="ctr"/>
+          <a:lstStyle/>
+          <a:p>
+            <a:pPr marL="571500" indent="-571500">
+              <a:buFont typeface="Arial" panose="020B0604020202020204" pitchFamily="34" charset="0"/>
+              <a:buChar char="•"/>
+            </a:pPr>
+            <a:r>
+              <a:rPr lang="en-SG" sz="3600" dirty="0">
+                <a:solidFill>
+                  <a:schemeClr val="tx1"/>
+                </a:solidFill>
+              </a:rPr>
+              <a:t>Find R-peaks</a:t>
+            </a:r>
+          </a:p>
+          <a:p>
+            <a:pPr marL="571500" indent="-571500">
+              <a:buFont typeface="Arial" panose="020B0604020202020204" pitchFamily="34" charset="0"/>
+              <a:buChar char="•"/>
+            </a:pPr>
+            <a:endParaRPr lang="en-SG" sz="3600" dirty="0">
+              <a:solidFill>
+                <a:schemeClr val="tx1"/>
+              </a:solidFill>
+            </a:endParaRPr>
+          </a:p>
+        </p:txBody>
+      </p:sp>
+      <p:sp>
+        <p:nvSpPr>
+          <p:cNvPr id="5" name="Rectangle 4">
+            <a:extLst>
+              <a:ext uri="{FF2B5EF4-FFF2-40B4-BE49-F238E27FC236}">
+                <a16:creationId xmlns:a16="http://schemas.microsoft.com/office/drawing/2014/main" id="{B4D3696A-B217-4C55-853A-708FA5379221}"/>
+              </a:ext>
+            </a:extLst>
+          </p:cNvPr>
+          <p:cNvSpPr/>
+          <p:nvPr/>
+        </p:nvSpPr>
+        <p:spPr>
+          <a:xfrm>
+            <a:off x="4656193" y="8462882"/>
+            <a:ext cx="13311490" cy="1562100"/>
+          </a:xfrm>
+          <a:prstGeom prst="rect">
+            <a:avLst/>
+          </a:prstGeom>
+          <a:noFill/>
+          <a:ln>
+            <a:noFill/>
+          </a:ln>
+        </p:spPr>
+        <p:style>
+          <a:lnRef idx="2">
+            <a:schemeClr val="accent1">
+              <a:shade val="50000"/>
+            </a:schemeClr>
+          </a:lnRef>
+          <a:fillRef idx="1">
+            <a:schemeClr val="accent1"/>
+          </a:fillRef>
+          <a:effectRef idx="0">
+            <a:schemeClr val="accent1"/>
+          </a:effectRef>
+          <a:fontRef idx="minor">
+            <a:schemeClr val="lt1"/>
+          </a:fontRef>
+        </p:style>
+        <p:txBody>
+          <a:bodyPr rtlCol="0" anchor="ctr"/>
+          <a:lstStyle/>
+          <a:p>
+            <a:pPr marL="571500" indent="-571500">
+              <a:buFont typeface="Arial" panose="020B0604020202020204" pitchFamily="34" charset="0"/>
+              <a:buChar char="•"/>
+            </a:pPr>
+            <a:r>
+              <a:rPr lang="en-SG" sz="3600" dirty="0">
+                <a:solidFill>
+                  <a:schemeClr val="tx1"/>
+                </a:solidFill>
+              </a:rPr>
+              <a:t>Compute a continuous index of quality of the ECG signal</a:t>
+            </a:r>
+          </a:p>
+        </p:txBody>
+      </p:sp>
+      <p:sp>
+        <p:nvSpPr>
+          <p:cNvPr id="6" name="Rectangle 5">
+            <a:extLst>
+              <a:ext uri="{FF2B5EF4-FFF2-40B4-BE49-F238E27FC236}">
+                <a16:creationId xmlns:a16="http://schemas.microsoft.com/office/drawing/2014/main" id="{9B30FCCF-6FB1-46E8-8219-4ED4D3DF3E01}"/>
+              </a:ext>
+            </a:extLst>
+          </p:cNvPr>
+          <p:cNvSpPr/>
+          <p:nvPr/>
+        </p:nvSpPr>
+        <p:spPr>
+          <a:xfrm>
+            <a:off x="4656193" y="10615141"/>
+            <a:ext cx="13311490" cy="1562100"/>
+          </a:xfrm>
+          <a:prstGeom prst="rect">
+            <a:avLst/>
+          </a:prstGeom>
+          <a:noFill/>
+          <a:ln>
+            <a:noFill/>
+          </a:ln>
+        </p:spPr>
+        <p:style>
+          <a:lnRef idx="2">
+            <a:schemeClr val="accent1">
+              <a:shade val="50000"/>
+            </a:schemeClr>
+          </a:lnRef>
+          <a:fillRef idx="1">
+            <a:schemeClr val="accent1"/>
+          </a:fillRef>
+          <a:effectRef idx="0">
+            <a:schemeClr val="accent1"/>
+          </a:effectRef>
+          <a:fontRef idx="minor">
+            <a:schemeClr val="lt1"/>
+          </a:fontRef>
+        </p:style>
+        <p:txBody>
+          <a:bodyPr rtlCol="0" anchor="ctr"/>
+          <a:lstStyle/>
+          <a:p>
+            <a:pPr marL="571500" indent="-571500">
+              <a:buFont typeface="Arial" panose="020B0604020202020204" pitchFamily="34" charset="0"/>
+              <a:buChar char="•"/>
+            </a:pPr>
+            <a:r>
+              <a:rPr lang="en-SG" sz="3600" dirty="0">
+                <a:solidFill>
+                  <a:schemeClr val="tx1"/>
+                </a:solidFill>
+              </a:rPr>
+              <a:t>Delineate the QRS complex using different methods e.g., discrete wavelet method</a:t>
+            </a:r>
+          </a:p>
+        </p:txBody>
+      </p:sp>
+      <p:sp>
+        <p:nvSpPr>
+          <p:cNvPr id="7" name="Rectangle 6">
+            <a:extLst>
+              <a:ext uri="{FF2B5EF4-FFF2-40B4-BE49-F238E27FC236}">
+                <a16:creationId xmlns:a16="http://schemas.microsoft.com/office/drawing/2014/main" id="{2C194FBF-F2EB-440A-B05F-6804833ADDF6}"/>
+              </a:ext>
+            </a:extLst>
+          </p:cNvPr>
+          <p:cNvSpPr/>
+          <p:nvPr/>
+        </p:nvSpPr>
+        <p:spPr>
+          <a:xfrm>
+            <a:off x="4656193" y="12534812"/>
+            <a:ext cx="13311490" cy="1562100"/>
+          </a:xfrm>
+          <a:prstGeom prst="rect">
+            <a:avLst/>
+          </a:prstGeom>
+          <a:noFill/>
+          <a:ln>
+            <a:noFill/>
+          </a:ln>
+        </p:spPr>
+        <p:style>
+          <a:lnRef idx="2">
+            <a:schemeClr val="accent1">
+              <a:shade val="50000"/>
+            </a:schemeClr>
+          </a:lnRef>
+          <a:fillRef idx="1">
+            <a:schemeClr val="accent1"/>
+          </a:fillRef>
+          <a:effectRef idx="0">
+            <a:schemeClr val="accent1"/>
+          </a:effectRef>
+          <a:fontRef idx="minor">
+            <a:schemeClr val="lt1"/>
+          </a:fontRef>
+        </p:style>
+        <p:txBody>
+          <a:bodyPr rtlCol="0" anchor="ctr"/>
+          <a:lstStyle/>
+          <a:p>
+            <a:pPr marL="571500" indent="-571500">
+              <a:buFont typeface="Arial" panose="020B0604020202020204" pitchFamily="34" charset="0"/>
+              <a:buChar char="•"/>
+            </a:pPr>
+            <a:r>
+              <a:rPr lang="en-SG" sz="3600" dirty="0">
+                <a:solidFill>
+                  <a:schemeClr val="tx1"/>
+                </a:solidFill>
+              </a:rPr>
+              <a:t>Find cardiac phases (systole, diastole)</a:t>
+            </a:r>
+          </a:p>
+        </p:txBody>
+      </p:sp>
+    </p:spTree>
+    <p:extLst>
+      <p:ext uri="{BB962C8B-B14F-4D97-AF65-F5344CB8AC3E}">
+        <p14:creationId xmlns:p14="http://schemas.microsoft.com/office/powerpoint/2010/main" val="3623305028"/>
       </p:ext>
     </p:extLst>
   </p:cSld>
